--- a/05-CrDyn/Pictures/StarkFit.pptx
+++ b/05-CrDyn/Pictures/StarkFit.pptx
@@ -288,7 +288,7 @@
           <a:p>
             <a:fld id="{14584A2C-878D-4BD0-B140-2944A364629C}" type="datetimeFigureOut">
               <a:rPr lang="fr-FR" smtClean="0"/>
-              <a:t>22/06/2017</a:t>
+              <a:t>29/06/2017</a:t>
             </a:fld>
             <a:endParaRPr lang="fr-FR"/>
           </a:p>
@@ -458,7 +458,7 @@
           <a:p>
             <a:fld id="{14584A2C-878D-4BD0-B140-2944A364629C}" type="datetimeFigureOut">
               <a:rPr lang="fr-FR" smtClean="0"/>
-              <a:t>22/06/2017</a:t>
+              <a:t>29/06/2017</a:t>
             </a:fld>
             <a:endParaRPr lang="fr-FR"/>
           </a:p>
@@ -638,7 +638,7 @@
           <a:p>
             <a:fld id="{14584A2C-878D-4BD0-B140-2944A364629C}" type="datetimeFigureOut">
               <a:rPr lang="fr-FR" smtClean="0"/>
-              <a:t>22/06/2017</a:t>
+              <a:t>29/06/2017</a:t>
             </a:fld>
             <a:endParaRPr lang="fr-FR"/>
           </a:p>
@@ -808,7 +808,7 @@
           <a:p>
             <a:fld id="{14584A2C-878D-4BD0-B140-2944A364629C}" type="datetimeFigureOut">
               <a:rPr lang="fr-FR" smtClean="0"/>
-              <a:t>22/06/2017</a:t>
+              <a:t>29/06/2017</a:t>
             </a:fld>
             <a:endParaRPr lang="fr-FR"/>
           </a:p>
@@ -1054,7 +1054,7 @@
           <a:p>
             <a:fld id="{14584A2C-878D-4BD0-B140-2944A364629C}" type="datetimeFigureOut">
               <a:rPr lang="fr-FR" smtClean="0"/>
-              <a:t>22/06/2017</a:t>
+              <a:t>29/06/2017</a:t>
             </a:fld>
             <a:endParaRPr lang="fr-FR"/>
           </a:p>
@@ -1342,7 +1342,7 @@
           <a:p>
             <a:fld id="{14584A2C-878D-4BD0-B140-2944A364629C}" type="datetimeFigureOut">
               <a:rPr lang="fr-FR" smtClean="0"/>
-              <a:t>22/06/2017</a:t>
+              <a:t>29/06/2017</a:t>
             </a:fld>
             <a:endParaRPr lang="fr-FR"/>
           </a:p>
@@ -1764,7 +1764,7 @@
           <a:p>
             <a:fld id="{14584A2C-878D-4BD0-B140-2944A364629C}" type="datetimeFigureOut">
               <a:rPr lang="fr-FR" smtClean="0"/>
-              <a:t>22/06/2017</a:t>
+              <a:t>29/06/2017</a:t>
             </a:fld>
             <a:endParaRPr lang="fr-FR"/>
           </a:p>
@@ -1882,7 +1882,7 @@
           <a:p>
             <a:fld id="{14584A2C-878D-4BD0-B140-2944A364629C}" type="datetimeFigureOut">
               <a:rPr lang="fr-FR" smtClean="0"/>
-              <a:t>22/06/2017</a:t>
+              <a:t>29/06/2017</a:t>
             </a:fld>
             <a:endParaRPr lang="fr-FR"/>
           </a:p>
@@ -1977,7 +1977,7 @@
           <a:p>
             <a:fld id="{14584A2C-878D-4BD0-B140-2944A364629C}" type="datetimeFigureOut">
               <a:rPr lang="fr-FR" smtClean="0"/>
-              <a:t>22/06/2017</a:t>
+              <a:t>29/06/2017</a:t>
             </a:fld>
             <a:endParaRPr lang="fr-FR"/>
           </a:p>
@@ -2254,7 +2254,7 @@
           <a:p>
             <a:fld id="{14584A2C-878D-4BD0-B140-2944A364629C}" type="datetimeFigureOut">
               <a:rPr lang="fr-FR" smtClean="0"/>
-              <a:t>22/06/2017</a:t>
+              <a:t>29/06/2017</a:t>
             </a:fld>
             <a:endParaRPr lang="fr-FR"/>
           </a:p>
@@ -2507,7 +2507,7 @@
           <a:p>
             <a:fld id="{14584A2C-878D-4BD0-B140-2944A364629C}" type="datetimeFigureOut">
               <a:rPr lang="fr-FR" smtClean="0"/>
-              <a:t>22/06/2017</a:t>
+              <a:t>29/06/2017</a:t>
             </a:fld>
             <a:endParaRPr lang="fr-FR"/>
           </a:p>
@@ -2720,7 +2720,7 @@
           <a:p>
             <a:fld id="{14584A2C-878D-4BD0-B140-2944A364629C}" type="datetimeFigureOut">
               <a:rPr lang="fr-FR" smtClean="0"/>
-              <a:t>22/06/2017</a:t>
+              <a:t>29/06/2017</a:t>
             </a:fld>
             <a:endParaRPr lang="fr-FR"/>
           </a:p>
@@ -3155,7 +3155,7 @@
         </p:nvSpPr>
         <p:spPr>
           <a:xfrm>
-            <a:off x="738673" y="3104862"/>
+            <a:off x="831353" y="3104862"/>
             <a:ext cx="393056" cy="307777"/>
           </a:xfrm>
           <a:prstGeom prst="rect">
@@ -3174,7 +3174,7 @@
                 <a:latin typeface="Times New Roman" panose="02020603050405020304" pitchFamily="18" charset="0"/>
                 <a:cs typeface="Times New Roman" panose="02020603050405020304" pitchFamily="18" charset="0"/>
               </a:rPr>
-              <a:t>(4)</a:t>
+              <a:t>(5)</a:t>
             </a:r>
             <a:endParaRPr lang="en-US" sz="1400" dirty="0">
               <a:latin typeface="Times New Roman" panose="02020603050405020304" pitchFamily="18" charset="0"/>

--- a/05-CrDyn/Pictures/StarkFit.pptx
+++ b/05-CrDyn/Pictures/StarkFit.pptx
@@ -7,14 +7,14 @@
   <p:sldIdLst>
     <p:sldId id="256" r:id="rId2"/>
   </p:sldIdLst>
-  <p:sldSz cx="2736850" cy="4321175"/>
+  <p:sldSz cx="4068763" cy="6121400"/>
   <p:notesSz cx="6858000" cy="9144000"/>
   <p:defaultTextStyle>
     <a:defPPr>
       <a:defRPr lang="fr-FR"/>
     </a:defPPr>
-    <a:lvl1pPr marL="0" algn="l" defTabSz="390815" rtl="0" eaLnBrk="1" latinLnBrk="0" hangingPunct="1">
-      <a:defRPr sz="800" kern="1200">
+    <a:lvl1pPr marL="0" algn="l" defTabSz="578169" rtl="0" eaLnBrk="1" latinLnBrk="0" hangingPunct="1">
+      <a:defRPr sz="1100" kern="1200">
         <a:solidFill>
           <a:schemeClr val="tx1"/>
         </a:solidFill>
@@ -23,8 +23,8 @@
         <a:cs typeface="+mn-cs"/>
       </a:defRPr>
     </a:lvl1pPr>
-    <a:lvl2pPr marL="195407" algn="l" defTabSz="390815" rtl="0" eaLnBrk="1" latinLnBrk="0" hangingPunct="1">
-      <a:defRPr sz="800" kern="1200">
+    <a:lvl2pPr marL="289084" algn="l" defTabSz="578169" rtl="0" eaLnBrk="1" latinLnBrk="0" hangingPunct="1">
+      <a:defRPr sz="1100" kern="1200">
         <a:solidFill>
           <a:schemeClr val="tx1"/>
         </a:solidFill>
@@ -33,8 +33,8 @@
         <a:cs typeface="+mn-cs"/>
       </a:defRPr>
     </a:lvl2pPr>
-    <a:lvl3pPr marL="390815" algn="l" defTabSz="390815" rtl="0" eaLnBrk="1" latinLnBrk="0" hangingPunct="1">
-      <a:defRPr sz="800" kern="1200">
+    <a:lvl3pPr marL="578169" algn="l" defTabSz="578169" rtl="0" eaLnBrk="1" latinLnBrk="0" hangingPunct="1">
+      <a:defRPr sz="1100" kern="1200">
         <a:solidFill>
           <a:schemeClr val="tx1"/>
         </a:solidFill>
@@ -43,8 +43,8 @@
         <a:cs typeface="+mn-cs"/>
       </a:defRPr>
     </a:lvl3pPr>
-    <a:lvl4pPr marL="586222" algn="l" defTabSz="390815" rtl="0" eaLnBrk="1" latinLnBrk="0" hangingPunct="1">
-      <a:defRPr sz="800" kern="1200">
+    <a:lvl4pPr marL="867252" algn="l" defTabSz="578169" rtl="0" eaLnBrk="1" latinLnBrk="0" hangingPunct="1">
+      <a:defRPr sz="1100" kern="1200">
         <a:solidFill>
           <a:schemeClr val="tx1"/>
         </a:solidFill>
@@ -53,8 +53,8 @@
         <a:cs typeface="+mn-cs"/>
       </a:defRPr>
     </a:lvl4pPr>
-    <a:lvl5pPr marL="781629" algn="l" defTabSz="390815" rtl="0" eaLnBrk="1" latinLnBrk="0" hangingPunct="1">
-      <a:defRPr sz="800" kern="1200">
+    <a:lvl5pPr marL="1156337" algn="l" defTabSz="578169" rtl="0" eaLnBrk="1" latinLnBrk="0" hangingPunct="1">
+      <a:defRPr sz="1100" kern="1200">
         <a:solidFill>
           <a:schemeClr val="tx1"/>
         </a:solidFill>
@@ -63,8 +63,8 @@
         <a:cs typeface="+mn-cs"/>
       </a:defRPr>
     </a:lvl5pPr>
-    <a:lvl6pPr marL="977036" algn="l" defTabSz="390815" rtl="0" eaLnBrk="1" latinLnBrk="0" hangingPunct="1">
-      <a:defRPr sz="800" kern="1200">
+    <a:lvl6pPr marL="1445420" algn="l" defTabSz="578169" rtl="0" eaLnBrk="1" latinLnBrk="0" hangingPunct="1">
+      <a:defRPr sz="1100" kern="1200">
         <a:solidFill>
           <a:schemeClr val="tx1"/>
         </a:solidFill>
@@ -73,8 +73,8 @@
         <a:cs typeface="+mn-cs"/>
       </a:defRPr>
     </a:lvl6pPr>
-    <a:lvl7pPr marL="1172444" algn="l" defTabSz="390815" rtl="0" eaLnBrk="1" latinLnBrk="0" hangingPunct="1">
-      <a:defRPr sz="800" kern="1200">
+    <a:lvl7pPr marL="1734505" algn="l" defTabSz="578169" rtl="0" eaLnBrk="1" latinLnBrk="0" hangingPunct="1">
+      <a:defRPr sz="1100" kern="1200">
         <a:solidFill>
           <a:schemeClr val="tx1"/>
         </a:solidFill>
@@ -83,8 +83,8 @@
         <a:cs typeface="+mn-cs"/>
       </a:defRPr>
     </a:lvl7pPr>
-    <a:lvl8pPr marL="1367851" algn="l" defTabSz="390815" rtl="0" eaLnBrk="1" latinLnBrk="0" hangingPunct="1">
-      <a:defRPr sz="800" kern="1200">
+    <a:lvl8pPr marL="2023590" algn="l" defTabSz="578169" rtl="0" eaLnBrk="1" latinLnBrk="0" hangingPunct="1">
+      <a:defRPr sz="1100" kern="1200">
         <a:solidFill>
           <a:schemeClr val="tx1"/>
         </a:solidFill>
@@ -93,8 +93,8 @@
         <a:cs typeface="+mn-cs"/>
       </a:defRPr>
     </a:lvl8pPr>
-    <a:lvl9pPr marL="1563258" algn="l" defTabSz="390815" rtl="0" eaLnBrk="1" latinLnBrk="0" hangingPunct="1">
-      <a:defRPr sz="800" kern="1200">
+    <a:lvl9pPr marL="2312673" algn="l" defTabSz="578169" rtl="0" eaLnBrk="1" latinLnBrk="0" hangingPunct="1">
+      <a:defRPr sz="1100" kern="1200">
         <a:solidFill>
           <a:schemeClr val="tx1"/>
         </a:solidFill>
@@ -136,8 +136,8 @@
         </p:nvSpPr>
         <p:spPr>
           <a:xfrm>
-            <a:off x="205265" y="1342365"/>
-            <a:ext cx="2326323" cy="926252"/>
+            <a:off x="305162" y="1901602"/>
+            <a:ext cx="3458448" cy="1312134"/>
           </a:xfrm>
         </p:spPr>
         <p:txBody>
@@ -164,8 +164,8 @@
         </p:nvSpPr>
         <p:spPr>
           <a:xfrm>
-            <a:off x="410530" y="2448667"/>
-            <a:ext cx="1915795" cy="1104300"/>
+            <a:off x="610320" y="3468797"/>
+            <a:ext cx="2848135" cy="1564357"/>
           </a:xfrm>
         </p:spPr>
         <p:txBody>
@@ -181,7 +181,7 @@
                 </a:solidFill>
               </a:defRPr>
             </a:lvl1pPr>
-            <a:lvl2pPr marL="195407" indent="0" algn="ctr">
+            <a:lvl2pPr marL="289084" indent="0" algn="ctr">
               <a:buNone/>
               <a:defRPr>
                 <a:solidFill>
@@ -191,7 +191,7 @@
                 </a:solidFill>
               </a:defRPr>
             </a:lvl2pPr>
-            <a:lvl3pPr marL="390815" indent="0" algn="ctr">
+            <a:lvl3pPr marL="578169" indent="0" algn="ctr">
               <a:buNone/>
               <a:defRPr>
                 <a:solidFill>
@@ -201,7 +201,7 @@
                 </a:solidFill>
               </a:defRPr>
             </a:lvl3pPr>
-            <a:lvl4pPr marL="586222" indent="0" algn="ctr">
+            <a:lvl4pPr marL="867252" indent="0" algn="ctr">
               <a:buNone/>
               <a:defRPr>
                 <a:solidFill>
@@ -211,7 +211,7 @@
                 </a:solidFill>
               </a:defRPr>
             </a:lvl4pPr>
-            <a:lvl5pPr marL="781629" indent="0" algn="ctr">
+            <a:lvl5pPr marL="1156337" indent="0" algn="ctr">
               <a:buNone/>
               <a:defRPr>
                 <a:solidFill>
@@ -221,7 +221,7 @@
                 </a:solidFill>
               </a:defRPr>
             </a:lvl5pPr>
-            <a:lvl6pPr marL="977036" indent="0" algn="ctr">
+            <a:lvl6pPr marL="1445420" indent="0" algn="ctr">
               <a:buNone/>
               <a:defRPr>
                 <a:solidFill>
@@ -231,7 +231,7 @@
                 </a:solidFill>
               </a:defRPr>
             </a:lvl6pPr>
-            <a:lvl7pPr marL="1172444" indent="0" algn="ctr">
+            <a:lvl7pPr marL="1734505" indent="0" algn="ctr">
               <a:buNone/>
               <a:defRPr>
                 <a:solidFill>
@@ -241,7 +241,7 @@
                 </a:solidFill>
               </a:defRPr>
             </a:lvl7pPr>
-            <a:lvl8pPr marL="1367851" indent="0" algn="ctr">
+            <a:lvl8pPr marL="2023590" indent="0" algn="ctr">
               <a:buNone/>
               <a:defRPr>
                 <a:solidFill>
@@ -251,7 +251,7 @@
                 </a:solidFill>
               </a:defRPr>
             </a:lvl8pPr>
-            <a:lvl9pPr marL="1563258" indent="0" algn="ctr">
+            <a:lvl9pPr marL="2312673" indent="0" algn="ctr">
               <a:buNone/>
               <a:defRPr>
                 <a:solidFill>
@@ -288,7 +288,7 @@
           <a:p>
             <a:fld id="{14584A2C-878D-4BD0-B140-2944A364629C}" type="datetimeFigureOut">
               <a:rPr lang="fr-FR" smtClean="0"/>
-              <a:t>29/06/2017</a:t>
+              <a:t>04/07/2017</a:t>
             </a:fld>
             <a:endParaRPr lang="fr-FR"/>
           </a:p>
@@ -458,7 +458,7 @@
           <a:p>
             <a:fld id="{14584A2C-878D-4BD0-B140-2944A364629C}" type="datetimeFigureOut">
               <a:rPr lang="fr-FR" smtClean="0"/>
-              <a:t>29/06/2017</a:t>
+              <a:t>04/07/2017</a:t>
             </a:fld>
             <a:endParaRPr lang="fr-FR"/>
           </a:p>
@@ -548,8 +548,8 @@
         </p:nvSpPr>
         <p:spPr>
           <a:xfrm>
-            <a:off x="1984216" y="173049"/>
-            <a:ext cx="615791" cy="3687003"/>
+            <a:off x="2949855" y="245144"/>
+            <a:ext cx="915472" cy="5223028"/>
           </a:xfrm>
         </p:spPr>
         <p:txBody>
@@ -576,8 +576,8 @@
         </p:nvSpPr>
         <p:spPr>
           <a:xfrm>
-            <a:off x="136843" y="173049"/>
-            <a:ext cx="1801759" cy="3687003"/>
+            <a:off x="203442" y="245144"/>
+            <a:ext cx="2678601" cy="5223028"/>
           </a:xfrm>
         </p:spPr>
         <p:txBody>
@@ -638,7 +638,7 @@
           <a:p>
             <a:fld id="{14584A2C-878D-4BD0-B140-2944A364629C}" type="datetimeFigureOut">
               <a:rPr lang="fr-FR" smtClean="0"/>
-              <a:t>29/06/2017</a:t>
+              <a:t>04/07/2017</a:t>
             </a:fld>
             <a:endParaRPr lang="fr-FR"/>
           </a:p>
@@ -808,7 +808,7 @@
           <a:p>
             <a:fld id="{14584A2C-878D-4BD0-B140-2944A364629C}" type="datetimeFigureOut">
               <a:rPr lang="fr-FR" smtClean="0"/>
-              <a:t>29/06/2017</a:t>
+              <a:t>04/07/2017</a:t>
             </a:fld>
             <a:endParaRPr lang="fr-FR"/>
           </a:p>
@@ -898,15 +898,15 @@
         </p:nvSpPr>
         <p:spPr>
           <a:xfrm>
-            <a:off x="216192" y="2776757"/>
-            <a:ext cx="2326323" cy="858233"/>
+            <a:off x="321406" y="3933570"/>
+            <a:ext cx="3458448" cy="1215778"/>
           </a:xfrm>
         </p:spPr>
         <p:txBody>
           <a:bodyPr anchor="t"/>
           <a:lstStyle>
             <a:lvl1pPr algn="l">
-              <a:defRPr sz="1700" b="1" cap="all"/>
+              <a:defRPr sz="2500" b="1" cap="all"/>
             </a:lvl1pPr>
           </a:lstStyle>
           <a:p>
@@ -930,14 +930,44 @@
         </p:nvSpPr>
         <p:spPr>
           <a:xfrm>
-            <a:off x="216192" y="1831500"/>
-            <a:ext cx="2326323" cy="945256"/>
+            <a:off x="321406" y="2594514"/>
+            <a:ext cx="3458448" cy="1339054"/>
           </a:xfrm>
         </p:spPr>
         <p:txBody>
           <a:bodyPr anchor="b"/>
           <a:lstStyle>
             <a:lvl1pPr marL="0" indent="0">
+              <a:buNone/>
+              <a:defRPr sz="1300">
+                <a:solidFill>
+                  <a:schemeClr val="tx1">
+                    <a:tint val="75000"/>
+                  </a:schemeClr>
+                </a:solidFill>
+              </a:defRPr>
+            </a:lvl1pPr>
+            <a:lvl2pPr marL="289084" indent="0">
+              <a:buNone/>
+              <a:defRPr sz="1100">
+                <a:solidFill>
+                  <a:schemeClr val="tx1">
+                    <a:tint val="75000"/>
+                  </a:schemeClr>
+                </a:solidFill>
+              </a:defRPr>
+            </a:lvl2pPr>
+            <a:lvl3pPr marL="578169" indent="0">
+              <a:buNone/>
+              <a:defRPr sz="1000">
+                <a:solidFill>
+                  <a:schemeClr val="tx1">
+                    <a:tint val="75000"/>
+                  </a:schemeClr>
+                </a:solidFill>
+              </a:defRPr>
+            </a:lvl3pPr>
+            <a:lvl4pPr marL="867252" indent="0">
               <a:buNone/>
               <a:defRPr sz="900">
                 <a:solidFill>
@@ -946,40 +976,10 @@
                   </a:schemeClr>
                 </a:solidFill>
               </a:defRPr>
-            </a:lvl1pPr>
-            <a:lvl2pPr marL="195407" indent="0">
-              <a:buNone/>
-              <a:defRPr sz="800">
-                <a:solidFill>
-                  <a:schemeClr val="tx1">
-                    <a:tint val="75000"/>
-                  </a:schemeClr>
-                </a:solidFill>
-              </a:defRPr>
-            </a:lvl2pPr>
-            <a:lvl3pPr marL="390815" indent="0">
-              <a:buNone/>
-              <a:defRPr sz="700">
-                <a:solidFill>
-                  <a:schemeClr val="tx1">
-                    <a:tint val="75000"/>
-                  </a:schemeClr>
-                </a:solidFill>
-              </a:defRPr>
-            </a:lvl3pPr>
-            <a:lvl4pPr marL="586222" indent="0">
-              <a:buNone/>
-              <a:defRPr sz="600">
-                <a:solidFill>
-                  <a:schemeClr val="tx1">
-                    <a:tint val="75000"/>
-                  </a:schemeClr>
-                </a:solidFill>
-              </a:defRPr>
             </a:lvl4pPr>
-            <a:lvl5pPr marL="781629" indent="0">
-              <a:buNone/>
-              <a:defRPr sz="600">
+            <a:lvl5pPr marL="1156337" indent="0">
+              <a:buNone/>
+              <a:defRPr sz="900">
                 <a:solidFill>
                   <a:schemeClr val="tx1">
                     <a:tint val="75000"/>
@@ -987,9 +987,9 @@
                 </a:solidFill>
               </a:defRPr>
             </a:lvl5pPr>
-            <a:lvl6pPr marL="977036" indent="0">
-              <a:buNone/>
-              <a:defRPr sz="600">
+            <a:lvl6pPr marL="1445420" indent="0">
+              <a:buNone/>
+              <a:defRPr sz="900">
                 <a:solidFill>
                   <a:schemeClr val="tx1">
                     <a:tint val="75000"/>
@@ -997,9 +997,9 @@
                 </a:solidFill>
               </a:defRPr>
             </a:lvl6pPr>
-            <a:lvl7pPr marL="1172444" indent="0">
-              <a:buNone/>
-              <a:defRPr sz="600">
+            <a:lvl7pPr marL="1734505" indent="0">
+              <a:buNone/>
+              <a:defRPr sz="900">
                 <a:solidFill>
                   <a:schemeClr val="tx1">
                     <a:tint val="75000"/>
@@ -1007,9 +1007,9 @@
                 </a:solidFill>
               </a:defRPr>
             </a:lvl7pPr>
-            <a:lvl8pPr marL="1367851" indent="0">
-              <a:buNone/>
-              <a:defRPr sz="600">
+            <a:lvl8pPr marL="2023590" indent="0">
+              <a:buNone/>
+              <a:defRPr sz="900">
                 <a:solidFill>
                   <a:schemeClr val="tx1">
                     <a:tint val="75000"/>
@@ -1017,9 +1017,9 @@
                 </a:solidFill>
               </a:defRPr>
             </a:lvl8pPr>
-            <a:lvl9pPr marL="1563258" indent="0">
-              <a:buNone/>
-              <a:defRPr sz="600">
+            <a:lvl9pPr marL="2312673" indent="0">
+              <a:buNone/>
+              <a:defRPr sz="900">
                 <a:solidFill>
                   <a:schemeClr val="tx1">
                     <a:tint val="75000"/>
@@ -1054,7 +1054,7 @@
           <a:p>
             <a:fld id="{14584A2C-878D-4BD0-B140-2944A364629C}" type="datetimeFigureOut">
               <a:rPr lang="fr-FR" smtClean="0"/>
-              <a:t>29/06/2017</a:t>
+              <a:t>04/07/2017</a:t>
             </a:fld>
             <a:endParaRPr lang="fr-FR"/>
           </a:p>
@@ -1167,39 +1167,39 @@
         </p:nvSpPr>
         <p:spPr>
           <a:xfrm>
-            <a:off x="136842" y="1008275"/>
-            <a:ext cx="1208776" cy="2851776"/>
+            <a:off x="203440" y="1428331"/>
+            <a:ext cx="1797037" cy="4039841"/>
           </a:xfrm>
         </p:spPr>
         <p:txBody>
           <a:bodyPr/>
           <a:lstStyle>
             <a:lvl1pPr>
-              <a:defRPr sz="1200"/>
+              <a:defRPr sz="1800"/>
             </a:lvl1pPr>
             <a:lvl2pPr>
-              <a:defRPr sz="1000"/>
+              <a:defRPr sz="1500"/>
             </a:lvl2pPr>
             <a:lvl3pPr>
-              <a:defRPr sz="900"/>
+              <a:defRPr sz="1300"/>
             </a:lvl3pPr>
             <a:lvl4pPr>
-              <a:defRPr sz="800"/>
+              <a:defRPr sz="1100"/>
             </a:lvl4pPr>
             <a:lvl5pPr>
-              <a:defRPr sz="800"/>
+              <a:defRPr sz="1100"/>
             </a:lvl5pPr>
             <a:lvl6pPr>
-              <a:defRPr sz="800"/>
+              <a:defRPr sz="1100"/>
             </a:lvl6pPr>
             <a:lvl7pPr>
-              <a:defRPr sz="800"/>
+              <a:defRPr sz="1100"/>
             </a:lvl7pPr>
             <a:lvl8pPr>
-              <a:defRPr sz="800"/>
+              <a:defRPr sz="1100"/>
             </a:lvl8pPr>
             <a:lvl9pPr>
-              <a:defRPr sz="800"/>
+              <a:defRPr sz="1100"/>
             </a:lvl9pPr>
           </a:lstStyle>
           <a:p>
@@ -1252,39 +1252,39 @@
         </p:nvSpPr>
         <p:spPr>
           <a:xfrm>
-            <a:off x="1391232" y="1008275"/>
-            <a:ext cx="1208776" cy="2851776"/>
+            <a:off x="2068290" y="1428331"/>
+            <a:ext cx="1797037" cy="4039841"/>
           </a:xfrm>
         </p:spPr>
         <p:txBody>
           <a:bodyPr/>
           <a:lstStyle>
             <a:lvl1pPr>
-              <a:defRPr sz="1200"/>
+              <a:defRPr sz="1800"/>
             </a:lvl1pPr>
             <a:lvl2pPr>
-              <a:defRPr sz="1000"/>
+              <a:defRPr sz="1500"/>
             </a:lvl2pPr>
             <a:lvl3pPr>
-              <a:defRPr sz="900"/>
+              <a:defRPr sz="1300"/>
             </a:lvl3pPr>
             <a:lvl4pPr>
-              <a:defRPr sz="800"/>
+              <a:defRPr sz="1100"/>
             </a:lvl4pPr>
             <a:lvl5pPr>
-              <a:defRPr sz="800"/>
+              <a:defRPr sz="1100"/>
             </a:lvl5pPr>
             <a:lvl6pPr>
-              <a:defRPr sz="800"/>
+              <a:defRPr sz="1100"/>
             </a:lvl6pPr>
             <a:lvl7pPr>
-              <a:defRPr sz="800"/>
+              <a:defRPr sz="1100"/>
             </a:lvl7pPr>
             <a:lvl8pPr>
-              <a:defRPr sz="800"/>
+              <a:defRPr sz="1100"/>
             </a:lvl8pPr>
             <a:lvl9pPr>
-              <a:defRPr sz="800"/>
+              <a:defRPr sz="1100"/>
             </a:lvl9pPr>
           </a:lstStyle>
           <a:p>
@@ -1342,7 +1342,7 @@
           <a:p>
             <a:fld id="{14584A2C-878D-4BD0-B140-2944A364629C}" type="datetimeFigureOut">
               <a:rPr lang="fr-FR" smtClean="0"/>
-              <a:t>29/06/2017</a:t>
+              <a:t>04/07/2017</a:t>
             </a:fld>
             <a:endParaRPr lang="fr-FR"/>
           </a:p>
@@ -1459,8 +1459,8 @@
         </p:nvSpPr>
         <p:spPr>
           <a:xfrm>
-            <a:off x="136842" y="967265"/>
-            <a:ext cx="1209251" cy="403109"/>
+            <a:off x="203439" y="1370234"/>
+            <a:ext cx="1797745" cy="571046"/>
           </a:xfrm>
         </p:spPr>
         <p:txBody>
@@ -1468,39 +1468,39 @@
           <a:lstStyle>
             <a:lvl1pPr marL="0" indent="0">
               <a:buNone/>
+              <a:defRPr sz="1500" b="1"/>
+            </a:lvl1pPr>
+            <a:lvl2pPr marL="289084" indent="0">
+              <a:buNone/>
+              <a:defRPr sz="1300" b="1"/>
+            </a:lvl2pPr>
+            <a:lvl3pPr marL="578169" indent="0">
+              <a:buNone/>
+              <a:defRPr sz="1100" b="1"/>
+            </a:lvl3pPr>
+            <a:lvl4pPr marL="867252" indent="0">
+              <a:buNone/>
               <a:defRPr sz="1000" b="1"/>
-            </a:lvl1pPr>
-            <a:lvl2pPr marL="195407" indent="0">
-              <a:buNone/>
-              <a:defRPr sz="900" b="1"/>
-            </a:lvl2pPr>
-            <a:lvl3pPr marL="390815" indent="0">
-              <a:buNone/>
-              <a:defRPr sz="800" b="1"/>
-            </a:lvl3pPr>
-            <a:lvl4pPr marL="586222" indent="0">
-              <a:buNone/>
-              <a:defRPr sz="700" b="1"/>
             </a:lvl4pPr>
-            <a:lvl5pPr marL="781629" indent="0">
-              <a:buNone/>
-              <a:defRPr sz="700" b="1"/>
+            <a:lvl5pPr marL="1156337" indent="0">
+              <a:buNone/>
+              <a:defRPr sz="1000" b="1"/>
             </a:lvl5pPr>
-            <a:lvl6pPr marL="977036" indent="0">
-              <a:buNone/>
-              <a:defRPr sz="700" b="1"/>
+            <a:lvl6pPr marL="1445420" indent="0">
+              <a:buNone/>
+              <a:defRPr sz="1000" b="1"/>
             </a:lvl6pPr>
-            <a:lvl7pPr marL="1172444" indent="0">
-              <a:buNone/>
-              <a:defRPr sz="700" b="1"/>
+            <a:lvl7pPr marL="1734505" indent="0">
+              <a:buNone/>
+              <a:defRPr sz="1000" b="1"/>
             </a:lvl7pPr>
-            <a:lvl8pPr marL="1367851" indent="0">
-              <a:buNone/>
-              <a:defRPr sz="700" b="1"/>
+            <a:lvl8pPr marL="2023590" indent="0">
+              <a:buNone/>
+              <a:defRPr sz="1000" b="1"/>
             </a:lvl8pPr>
-            <a:lvl9pPr marL="1563258" indent="0">
-              <a:buNone/>
-              <a:defRPr sz="700" b="1"/>
+            <a:lvl9pPr marL="2312673" indent="0">
+              <a:buNone/>
+              <a:defRPr sz="1000" b="1"/>
             </a:lvl9pPr>
           </a:lstStyle>
           <a:p>
@@ -1524,39 +1524,39 @@
         </p:nvSpPr>
         <p:spPr>
           <a:xfrm>
-            <a:off x="136842" y="1370373"/>
-            <a:ext cx="1209251" cy="2489677"/>
+            <a:off x="203439" y="1941279"/>
+            <a:ext cx="1797745" cy="3526890"/>
           </a:xfrm>
         </p:spPr>
         <p:txBody>
           <a:bodyPr/>
           <a:lstStyle>
             <a:lvl1pPr>
-              <a:defRPr sz="1000"/>
+              <a:defRPr sz="1500"/>
             </a:lvl1pPr>
             <a:lvl2pPr>
-              <a:defRPr sz="900"/>
+              <a:defRPr sz="1300"/>
             </a:lvl2pPr>
             <a:lvl3pPr>
-              <a:defRPr sz="800"/>
+              <a:defRPr sz="1100"/>
             </a:lvl3pPr>
             <a:lvl4pPr>
-              <a:defRPr sz="700"/>
+              <a:defRPr sz="1000"/>
             </a:lvl4pPr>
             <a:lvl5pPr>
-              <a:defRPr sz="700"/>
+              <a:defRPr sz="1000"/>
             </a:lvl5pPr>
             <a:lvl6pPr>
-              <a:defRPr sz="700"/>
+              <a:defRPr sz="1000"/>
             </a:lvl6pPr>
             <a:lvl7pPr>
-              <a:defRPr sz="700"/>
+              <a:defRPr sz="1000"/>
             </a:lvl7pPr>
             <a:lvl8pPr>
-              <a:defRPr sz="700"/>
+              <a:defRPr sz="1000"/>
             </a:lvl8pPr>
             <a:lvl9pPr>
-              <a:defRPr sz="700"/>
+              <a:defRPr sz="1000"/>
             </a:lvl9pPr>
           </a:lstStyle>
           <a:p>
@@ -1609,8 +1609,8 @@
         </p:nvSpPr>
         <p:spPr>
           <a:xfrm>
-            <a:off x="1390283" y="967265"/>
-            <a:ext cx="1209726" cy="403109"/>
+            <a:off x="2066878" y="1370234"/>
+            <a:ext cx="1798449" cy="571046"/>
           </a:xfrm>
         </p:spPr>
         <p:txBody>
@@ -1618,39 +1618,39 @@
           <a:lstStyle>
             <a:lvl1pPr marL="0" indent="0">
               <a:buNone/>
+              <a:defRPr sz="1500" b="1"/>
+            </a:lvl1pPr>
+            <a:lvl2pPr marL="289084" indent="0">
+              <a:buNone/>
+              <a:defRPr sz="1300" b="1"/>
+            </a:lvl2pPr>
+            <a:lvl3pPr marL="578169" indent="0">
+              <a:buNone/>
+              <a:defRPr sz="1100" b="1"/>
+            </a:lvl3pPr>
+            <a:lvl4pPr marL="867252" indent="0">
+              <a:buNone/>
               <a:defRPr sz="1000" b="1"/>
-            </a:lvl1pPr>
-            <a:lvl2pPr marL="195407" indent="0">
-              <a:buNone/>
-              <a:defRPr sz="900" b="1"/>
-            </a:lvl2pPr>
-            <a:lvl3pPr marL="390815" indent="0">
-              <a:buNone/>
-              <a:defRPr sz="800" b="1"/>
-            </a:lvl3pPr>
-            <a:lvl4pPr marL="586222" indent="0">
-              <a:buNone/>
-              <a:defRPr sz="700" b="1"/>
             </a:lvl4pPr>
-            <a:lvl5pPr marL="781629" indent="0">
-              <a:buNone/>
-              <a:defRPr sz="700" b="1"/>
+            <a:lvl5pPr marL="1156337" indent="0">
+              <a:buNone/>
+              <a:defRPr sz="1000" b="1"/>
             </a:lvl5pPr>
-            <a:lvl6pPr marL="977036" indent="0">
-              <a:buNone/>
-              <a:defRPr sz="700" b="1"/>
+            <a:lvl6pPr marL="1445420" indent="0">
+              <a:buNone/>
+              <a:defRPr sz="1000" b="1"/>
             </a:lvl6pPr>
-            <a:lvl7pPr marL="1172444" indent="0">
-              <a:buNone/>
-              <a:defRPr sz="700" b="1"/>
+            <a:lvl7pPr marL="1734505" indent="0">
+              <a:buNone/>
+              <a:defRPr sz="1000" b="1"/>
             </a:lvl7pPr>
-            <a:lvl8pPr marL="1367851" indent="0">
-              <a:buNone/>
-              <a:defRPr sz="700" b="1"/>
+            <a:lvl8pPr marL="2023590" indent="0">
+              <a:buNone/>
+              <a:defRPr sz="1000" b="1"/>
             </a:lvl8pPr>
-            <a:lvl9pPr marL="1563258" indent="0">
-              <a:buNone/>
-              <a:defRPr sz="700" b="1"/>
+            <a:lvl9pPr marL="2312673" indent="0">
+              <a:buNone/>
+              <a:defRPr sz="1000" b="1"/>
             </a:lvl9pPr>
           </a:lstStyle>
           <a:p>
@@ -1674,39 +1674,39 @@
         </p:nvSpPr>
         <p:spPr>
           <a:xfrm>
-            <a:off x="1390283" y="1370373"/>
-            <a:ext cx="1209726" cy="2489677"/>
+            <a:off x="2066878" y="1941279"/>
+            <a:ext cx="1798449" cy="3526890"/>
           </a:xfrm>
         </p:spPr>
         <p:txBody>
           <a:bodyPr/>
           <a:lstStyle>
             <a:lvl1pPr>
-              <a:defRPr sz="1000"/>
+              <a:defRPr sz="1500"/>
             </a:lvl1pPr>
             <a:lvl2pPr>
-              <a:defRPr sz="900"/>
+              <a:defRPr sz="1300"/>
             </a:lvl2pPr>
             <a:lvl3pPr>
-              <a:defRPr sz="800"/>
+              <a:defRPr sz="1100"/>
             </a:lvl3pPr>
             <a:lvl4pPr>
-              <a:defRPr sz="700"/>
+              <a:defRPr sz="1000"/>
             </a:lvl4pPr>
             <a:lvl5pPr>
-              <a:defRPr sz="700"/>
+              <a:defRPr sz="1000"/>
             </a:lvl5pPr>
             <a:lvl6pPr>
-              <a:defRPr sz="700"/>
+              <a:defRPr sz="1000"/>
             </a:lvl6pPr>
             <a:lvl7pPr>
-              <a:defRPr sz="700"/>
+              <a:defRPr sz="1000"/>
             </a:lvl7pPr>
             <a:lvl8pPr>
-              <a:defRPr sz="700"/>
+              <a:defRPr sz="1000"/>
             </a:lvl8pPr>
             <a:lvl9pPr>
-              <a:defRPr sz="700"/>
+              <a:defRPr sz="1000"/>
             </a:lvl9pPr>
           </a:lstStyle>
           <a:p>
@@ -1764,7 +1764,7 @@
           <a:p>
             <a:fld id="{14584A2C-878D-4BD0-B140-2944A364629C}" type="datetimeFigureOut">
               <a:rPr lang="fr-FR" smtClean="0"/>
-              <a:t>29/06/2017</a:t>
+              <a:t>04/07/2017</a:t>
             </a:fld>
             <a:endParaRPr lang="fr-FR"/>
           </a:p>
@@ -1882,7 +1882,7 @@
           <a:p>
             <a:fld id="{14584A2C-878D-4BD0-B140-2944A364629C}" type="datetimeFigureOut">
               <a:rPr lang="fr-FR" smtClean="0"/>
-              <a:t>29/06/2017</a:t>
+              <a:t>04/07/2017</a:t>
             </a:fld>
             <a:endParaRPr lang="fr-FR"/>
           </a:p>
@@ -1977,7 +1977,7 @@
           <a:p>
             <a:fld id="{14584A2C-878D-4BD0-B140-2944A364629C}" type="datetimeFigureOut">
               <a:rPr lang="fr-FR" smtClean="0"/>
-              <a:t>29/06/2017</a:t>
+              <a:t>04/07/2017</a:t>
             </a:fld>
             <a:endParaRPr lang="fr-FR"/>
           </a:p>
@@ -2067,15 +2067,15 @@
         </p:nvSpPr>
         <p:spPr>
           <a:xfrm>
-            <a:off x="136844" y="172048"/>
-            <a:ext cx="900404" cy="732199"/>
+            <a:off x="203442" y="243728"/>
+            <a:ext cx="1338594" cy="1037237"/>
           </a:xfrm>
         </p:spPr>
         <p:txBody>
           <a:bodyPr anchor="b"/>
           <a:lstStyle>
             <a:lvl1pPr algn="l">
-              <a:defRPr sz="900" b="1"/>
+              <a:defRPr sz="1300" b="1"/>
             </a:lvl1pPr>
           </a:lstStyle>
           <a:p>
@@ -2099,39 +2099,39 @@
         </p:nvSpPr>
         <p:spPr>
           <a:xfrm>
-            <a:off x="1070033" y="172049"/>
-            <a:ext cx="1529975" cy="3688003"/>
+            <a:off x="1590777" y="243730"/>
+            <a:ext cx="2274551" cy="5224445"/>
           </a:xfrm>
         </p:spPr>
         <p:txBody>
           <a:bodyPr/>
           <a:lstStyle>
             <a:lvl1pPr>
-              <a:defRPr sz="1400"/>
+              <a:defRPr sz="2100"/>
             </a:lvl1pPr>
             <a:lvl2pPr>
-              <a:defRPr sz="1200"/>
+              <a:defRPr sz="1800"/>
             </a:lvl2pPr>
             <a:lvl3pPr>
-              <a:defRPr sz="1000"/>
+              <a:defRPr sz="1500"/>
             </a:lvl3pPr>
             <a:lvl4pPr>
-              <a:defRPr sz="900"/>
+              <a:defRPr sz="1300"/>
             </a:lvl4pPr>
             <a:lvl5pPr>
-              <a:defRPr sz="900"/>
+              <a:defRPr sz="1300"/>
             </a:lvl5pPr>
             <a:lvl6pPr>
-              <a:defRPr sz="900"/>
+              <a:defRPr sz="1300"/>
             </a:lvl6pPr>
             <a:lvl7pPr>
-              <a:defRPr sz="900"/>
+              <a:defRPr sz="1300"/>
             </a:lvl7pPr>
             <a:lvl8pPr>
-              <a:defRPr sz="900"/>
+              <a:defRPr sz="1300"/>
             </a:lvl8pPr>
             <a:lvl9pPr>
-              <a:defRPr sz="900"/>
+              <a:defRPr sz="1300"/>
             </a:lvl9pPr>
           </a:lstStyle>
           <a:p>
@@ -2184,8 +2184,8 @@
         </p:nvSpPr>
         <p:spPr>
           <a:xfrm>
-            <a:off x="136844" y="904247"/>
-            <a:ext cx="900404" cy="2955804"/>
+            <a:off x="203442" y="1280962"/>
+            <a:ext cx="1338594" cy="4187208"/>
           </a:xfrm>
         </p:spPr>
         <p:txBody>
@@ -2193,39 +2193,39 @@
           <a:lstStyle>
             <a:lvl1pPr marL="0" indent="0">
               <a:buNone/>
+              <a:defRPr sz="900"/>
+            </a:lvl1pPr>
+            <a:lvl2pPr marL="289084" indent="0">
+              <a:buNone/>
+              <a:defRPr sz="700"/>
+            </a:lvl2pPr>
+            <a:lvl3pPr marL="578169" indent="0">
+              <a:buNone/>
               <a:defRPr sz="600"/>
-            </a:lvl1pPr>
-            <a:lvl2pPr marL="195407" indent="0">
-              <a:buNone/>
-              <a:defRPr sz="500"/>
-            </a:lvl2pPr>
-            <a:lvl3pPr marL="390815" indent="0">
-              <a:buNone/>
-              <a:defRPr sz="400"/>
             </a:lvl3pPr>
-            <a:lvl4pPr marL="586222" indent="0">
-              <a:buNone/>
-              <a:defRPr sz="400"/>
+            <a:lvl4pPr marL="867252" indent="0">
+              <a:buNone/>
+              <a:defRPr sz="600"/>
             </a:lvl4pPr>
-            <a:lvl5pPr marL="781629" indent="0">
-              <a:buNone/>
-              <a:defRPr sz="400"/>
+            <a:lvl5pPr marL="1156337" indent="0">
+              <a:buNone/>
+              <a:defRPr sz="600"/>
             </a:lvl5pPr>
-            <a:lvl6pPr marL="977036" indent="0">
-              <a:buNone/>
-              <a:defRPr sz="400"/>
+            <a:lvl6pPr marL="1445420" indent="0">
+              <a:buNone/>
+              <a:defRPr sz="600"/>
             </a:lvl6pPr>
-            <a:lvl7pPr marL="1172444" indent="0">
-              <a:buNone/>
-              <a:defRPr sz="400"/>
+            <a:lvl7pPr marL="1734505" indent="0">
+              <a:buNone/>
+              <a:defRPr sz="600"/>
             </a:lvl7pPr>
-            <a:lvl8pPr marL="1367851" indent="0">
-              <a:buNone/>
-              <a:defRPr sz="400"/>
+            <a:lvl8pPr marL="2023590" indent="0">
+              <a:buNone/>
+              <a:defRPr sz="600"/>
             </a:lvl8pPr>
-            <a:lvl9pPr marL="1563258" indent="0">
-              <a:buNone/>
-              <a:defRPr sz="400"/>
+            <a:lvl9pPr marL="2312673" indent="0">
+              <a:buNone/>
+              <a:defRPr sz="600"/>
             </a:lvl9pPr>
           </a:lstStyle>
           <a:p>
@@ -2254,7 +2254,7 @@
           <a:p>
             <a:fld id="{14584A2C-878D-4BD0-B140-2944A364629C}" type="datetimeFigureOut">
               <a:rPr lang="fr-FR" smtClean="0"/>
-              <a:t>29/06/2017</a:t>
+              <a:t>04/07/2017</a:t>
             </a:fld>
             <a:endParaRPr lang="fr-FR"/>
           </a:p>
@@ -2344,15 +2344,15 @@
         </p:nvSpPr>
         <p:spPr>
           <a:xfrm>
-            <a:off x="536442" y="3024824"/>
-            <a:ext cx="1642110" cy="357097"/>
+            <a:off x="797508" y="4284983"/>
+            <a:ext cx="2441258" cy="505866"/>
           </a:xfrm>
         </p:spPr>
         <p:txBody>
           <a:bodyPr anchor="b"/>
           <a:lstStyle>
             <a:lvl1pPr algn="l">
-              <a:defRPr sz="900" b="1"/>
+              <a:defRPr sz="1300" b="1"/>
             </a:lvl1pPr>
           </a:lstStyle>
           <a:p>
@@ -2376,8 +2376,8 @@
         </p:nvSpPr>
         <p:spPr>
           <a:xfrm>
-            <a:off x="536442" y="386106"/>
-            <a:ext cx="1642110" cy="2592705"/>
+            <a:off x="797508" y="546961"/>
+            <a:ext cx="2441258" cy="3672840"/>
           </a:xfrm>
         </p:spPr>
         <p:txBody>
@@ -2385,39 +2385,39 @@
           <a:lstStyle>
             <a:lvl1pPr marL="0" indent="0">
               <a:buNone/>
-              <a:defRPr sz="1400"/>
+              <a:defRPr sz="2100"/>
             </a:lvl1pPr>
-            <a:lvl2pPr marL="195407" indent="0">
-              <a:buNone/>
-              <a:defRPr sz="1200"/>
+            <a:lvl2pPr marL="289084" indent="0">
+              <a:buNone/>
+              <a:defRPr sz="1800"/>
             </a:lvl2pPr>
-            <a:lvl3pPr marL="390815" indent="0">
-              <a:buNone/>
-              <a:defRPr sz="1000"/>
+            <a:lvl3pPr marL="578169" indent="0">
+              <a:buNone/>
+              <a:defRPr sz="1500"/>
             </a:lvl3pPr>
-            <a:lvl4pPr marL="586222" indent="0">
-              <a:buNone/>
-              <a:defRPr sz="900"/>
+            <a:lvl4pPr marL="867252" indent="0">
+              <a:buNone/>
+              <a:defRPr sz="1300"/>
             </a:lvl4pPr>
-            <a:lvl5pPr marL="781629" indent="0">
-              <a:buNone/>
-              <a:defRPr sz="900"/>
+            <a:lvl5pPr marL="1156337" indent="0">
+              <a:buNone/>
+              <a:defRPr sz="1300"/>
             </a:lvl5pPr>
-            <a:lvl6pPr marL="977036" indent="0">
-              <a:buNone/>
-              <a:defRPr sz="900"/>
+            <a:lvl6pPr marL="1445420" indent="0">
+              <a:buNone/>
+              <a:defRPr sz="1300"/>
             </a:lvl6pPr>
-            <a:lvl7pPr marL="1172444" indent="0">
-              <a:buNone/>
-              <a:defRPr sz="900"/>
+            <a:lvl7pPr marL="1734505" indent="0">
+              <a:buNone/>
+              <a:defRPr sz="1300"/>
             </a:lvl7pPr>
-            <a:lvl8pPr marL="1367851" indent="0">
-              <a:buNone/>
-              <a:defRPr sz="900"/>
+            <a:lvl8pPr marL="2023590" indent="0">
+              <a:buNone/>
+              <a:defRPr sz="1300"/>
             </a:lvl8pPr>
-            <a:lvl9pPr marL="1563258" indent="0">
-              <a:buNone/>
-              <a:defRPr sz="900"/>
+            <a:lvl9pPr marL="2312673" indent="0">
+              <a:buNone/>
+              <a:defRPr sz="1300"/>
             </a:lvl9pPr>
           </a:lstStyle>
           <a:p>
@@ -2437,8 +2437,8 @@
         </p:nvSpPr>
         <p:spPr>
           <a:xfrm>
-            <a:off x="536442" y="3381920"/>
-            <a:ext cx="1642110" cy="507138"/>
+            <a:off x="797508" y="4790848"/>
+            <a:ext cx="2441258" cy="718414"/>
           </a:xfrm>
         </p:spPr>
         <p:txBody>
@@ -2446,39 +2446,39 @@
           <a:lstStyle>
             <a:lvl1pPr marL="0" indent="0">
               <a:buNone/>
+              <a:defRPr sz="900"/>
+            </a:lvl1pPr>
+            <a:lvl2pPr marL="289084" indent="0">
+              <a:buNone/>
+              <a:defRPr sz="700"/>
+            </a:lvl2pPr>
+            <a:lvl3pPr marL="578169" indent="0">
+              <a:buNone/>
               <a:defRPr sz="600"/>
-            </a:lvl1pPr>
-            <a:lvl2pPr marL="195407" indent="0">
-              <a:buNone/>
-              <a:defRPr sz="500"/>
-            </a:lvl2pPr>
-            <a:lvl3pPr marL="390815" indent="0">
-              <a:buNone/>
-              <a:defRPr sz="400"/>
             </a:lvl3pPr>
-            <a:lvl4pPr marL="586222" indent="0">
-              <a:buNone/>
-              <a:defRPr sz="400"/>
+            <a:lvl4pPr marL="867252" indent="0">
+              <a:buNone/>
+              <a:defRPr sz="600"/>
             </a:lvl4pPr>
-            <a:lvl5pPr marL="781629" indent="0">
-              <a:buNone/>
-              <a:defRPr sz="400"/>
+            <a:lvl5pPr marL="1156337" indent="0">
+              <a:buNone/>
+              <a:defRPr sz="600"/>
             </a:lvl5pPr>
-            <a:lvl6pPr marL="977036" indent="0">
-              <a:buNone/>
-              <a:defRPr sz="400"/>
+            <a:lvl6pPr marL="1445420" indent="0">
+              <a:buNone/>
+              <a:defRPr sz="600"/>
             </a:lvl6pPr>
-            <a:lvl7pPr marL="1172444" indent="0">
-              <a:buNone/>
-              <a:defRPr sz="400"/>
+            <a:lvl7pPr marL="1734505" indent="0">
+              <a:buNone/>
+              <a:defRPr sz="600"/>
             </a:lvl7pPr>
-            <a:lvl8pPr marL="1367851" indent="0">
-              <a:buNone/>
-              <a:defRPr sz="400"/>
+            <a:lvl8pPr marL="2023590" indent="0">
+              <a:buNone/>
+              <a:defRPr sz="600"/>
             </a:lvl8pPr>
-            <a:lvl9pPr marL="1563258" indent="0">
-              <a:buNone/>
-              <a:defRPr sz="400"/>
+            <a:lvl9pPr marL="2312673" indent="0">
+              <a:buNone/>
+              <a:defRPr sz="600"/>
             </a:lvl9pPr>
           </a:lstStyle>
           <a:p>
@@ -2507,7 +2507,7 @@
           <a:p>
             <a:fld id="{14584A2C-878D-4BD0-B140-2944A364629C}" type="datetimeFigureOut">
               <a:rPr lang="fr-FR" smtClean="0"/>
-              <a:t>29/06/2017</a:t>
+              <a:t>04/07/2017</a:t>
             </a:fld>
             <a:endParaRPr lang="fr-FR"/>
           </a:p>
@@ -2602,15 +2602,15 @@
         </p:nvSpPr>
         <p:spPr>
           <a:xfrm>
-            <a:off x="136844" y="173048"/>
-            <a:ext cx="2463165" cy="720196"/>
+            <a:off x="203442" y="245141"/>
+            <a:ext cx="3661887" cy="1020234"/>
           </a:xfrm>
           <a:prstGeom prst="rect">
             <a:avLst/>
           </a:prstGeom>
         </p:spPr>
         <p:txBody>
-          <a:bodyPr vert="horz" lIns="39081" tIns="19541" rIns="39081" bIns="19541" rtlCol="0" anchor="ctr">
+          <a:bodyPr vert="horz" lIns="57816" tIns="28908" rIns="57816" bIns="28908" rtlCol="0" anchor="ctr">
             <a:normAutofit/>
           </a:bodyPr>
           <a:lstStyle/>
@@ -2635,15 +2635,15 @@
         </p:nvSpPr>
         <p:spPr>
           <a:xfrm>
-            <a:off x="136844" y="1008275"/>
-            <a:ext cx="2463165" cy="2851776"/>
+            <a:off x="203442" y="1428331"/>
+            <a:ext cx="3661887" cy="4039841"/>
           </a:xfrm>
           <a:prstGeom prst="rect">
             <a:avLst/>
           </a:prstGeom>
         </p:spPr>
         <p:txBody>
-          <a:bodyPr vert="horz" lIns="39081" tIns="19541" rIns="39081" bIns="19541" rtlCol="0">
+          <a:bodyPr vert="horz" lIns="57816" tIns="28908" rIns="57816" bIns="28908" rtlCol="0">
             <a:normAutofit/>
           </a:bodyPr>
           <a:lstStyle/>
@@ -2697,18 +2697,18 @@
         </p:nvSpPr>
         <p:spPr>
           <a:xfrm>
-            <a:off x="136844" y="4005091"/>
-            <a:ext cx="638598" cy="230063"/>
+            <a:off x="203442" y="5673635"/>
+            <a:ext cx="949378" cy="325908"/>
           </a:xfrm>
           <a:prstGeom prst="rect">
             <a:avLst/>
           </a:prstGeom>
         </p:spPr>
         <p:txBody>
-          <a:bodyPr vert="horz" lIns="39081" tIns="19541" rIns="39081" bIns="19541" rtlCol="0" anchor="ctr"/>
+          <a:bodyPr vert="horz" lIns="57816" tIns="28908" rIns="57816" bIns="28908" rtlCol="0" anchor="ctr"/>
           <a:lstStyle>
             <a:lvl1pPr algn="l">
-              <a:defRPr sz="500">
+              <a:defRPr sz="700">
                 <a:solidFill>
                   <a:schemeClr val="tx1">
                     <a:tint val="75000"/>
@@ -2720,7 +2720,7 @@
           <a:p>
             <a:fld id="{14584A2C-878D-4BD0-B140-2944A364629C}" type="datetimeFigureOut">
               <a:rPr lang="fr-FR" smtClean="0"/>
-              <a:t>29/06/2017</a:t>
+              <a:t>04/07/2017</a:t>
             </a:fld>
             <a:endParaRPr lang="fr-FR"/>
           </a:p>
@@ -2738,18 +2738,18 @@
         </p:nvSpPr>
         <p:spPr>
           <a:xfrm>
-            <a:off x="935093" y="4005091"/>
-            <a:ext cx="866669" cy="230063"/>
+            <a:off x="1390166" y="5673635"/>
+            <a:ext cx="1288441" cy="325908"/>
           </a:xfrm>
           <a:prstGeom prst="rect">
             <a:avLst/>
           </a:prstGeom>
         </p:spPr>
         <p:txBody>
-          <a:bodyPr vert="horz" lIns="39081" tIns="19541" rIns="39081" bIns="19541" rtlCol="0" anchor="ctr"/>
+          <a:bodyPr vert="horz" lIns="57816" tIns="28908" rIns="57816" bIns="28908" rtlCol="0" anchor="ctr"/>
           <a:lstStyle>
             <a:lvl1pPr algn="ctr">
-              <a:defRPr sz="500">
+              <a:defRPr sz="700">
                 <a:solidFill>
                   <a:schemeClr val="tx1">
                     <a:tint val="75000"/>
@@ -2775,18 +2775,18 @@
         </p:nvSpPr>
         <p:spPr>
           <a:xfrm>
-            <a:off x="1961411" y="4005091"/>
-            <a:ext cx="638598" cy="230063"/>
+            <a:off x="2915950" y="5673635"/>
+            <a:ext cx="949378" cy="325908"/>
           </a:xfrm>
           <a:prstGeom prst="rect">
             <a:avLst/>
           </a:prstGeom>
         </p:spPr>
         <p:txBody>
-          <a:bodyPr vert="horz" lIns="39081" tIns="19541" rIns="39081" bIns="19541" rtlCol="0" anchor="ctr"/>
+          <a:bodyPr vert="horz" lIns="57816" tIns="28908" rIns="57816" bIns="28908" rtlCol="0" anchor="ctr"/>
           <a:lstStyle>
             <a:lvl1pPr algn="r">
-              <a:defRPr sz="500">
+              <a:defRPr sz="700">
                 <a:solidFill>
                   <a:schemeClr val="tx1">
                     <a:tint val="75000"/>
@@ -2827,12 +2827,12 @@
   </p:sldLayoutIdLst>
   <p:txStyles>
     <p:titleStyle>
-      <a:lvl1pPr algn="ctr" defTabSz="390815" rtl="0" eaLnBrk="1" latinLnBrk="0" hangingPunct="1">
+      <a:lvl1pPr algn="ctr" defTabSz="578169" rtl="0" eaLnBrk="1" latinLnBrk="0" hangingPunct="1">
         <a:spcBef>
           <a:spcPct val="0"/>
         </a:spcBef>
         <a:buNone/>
-        <a:defRPr sz="1900" kern="1200">
+        <a:defRPr sz="2800" kern="1200">
           <a:solidFill>
             <a:schemeClr val="tx1"/>
           </a:solidFill>
@@ -2843,13 +2843,13 @@
       </a:lvl1pPr>
     </p:titleStyle>
     <p:bodyStyle>
-      <a:lvl1pPr marL="146555" indent="-146555" algn="l" defTabSz="390815" rtl="0" eaLnBrk="1" latinLnBrk="0" hangingPunct="1">
+      <a:lvl1pPr marL="216812" indent="-216812" algn="l" defTabSz="578169" rtl="0" eaLnBrk="1" latinLnBrk="0" hangingPunct="1">
         <a:spcBef>
           <a:spcPct val="20000"/>
         </a:spcBef>
         <a:buFont typeface="Arial" panose="020B0604020202020204" pitchFamily="34" charset="0"/>
         <a:buChar char="•"/>
-        <a:defRPr sz="1400" kern="1200">
+        <a:defRPr sz="2100" kern="1200">
           <a:solidFill>
             <a:schemeClr val="tx1"/>
           </a:solidFill>
@@ -2858,13 +2858,13 @@
           <a:cs typeface="+mn-cs"/>
         </a:defRPr>
       </a:lvl1pPr>
-      <a:lvl2pPr marL="317537" indent="-122130" algn="l" defTabSz="390815" rtl="0" eaLnBrk="1" latinLnBrk="0" hangingPunct="1">
+      <a:lvl2pPr marL="469762" indent="-180678" algn="l" defTabSz="578169" rtl="0" eaLnBrk="1" latinLnBrk="0" hangingPunct="1">
         <a:spcBef>
           <a:spcPct val="20000"/>
         </a:spcBef>
         <a:buFont typeface="Arial" panose="020B0604020202020204" pitchFamily="34" charset="0"/>
         <a:buChar char="–"/>
-        <a:defRPr sz="1200" kern="1200">
+        <a:defRPr sz="1800" kern="1200">
           <a:solidFill>
             <a:schemeClr val="tx1"/>
           </a:solidFill>
@@ -2873,13 +2873,13 @@
           <a:cs typeface="+mn-cs"/>
         </a:defRPr>
       </a:lvl2pPr>
-      <a:lvl3pPr marL="488518" indent="-97704" algn="l" defTabSz="390815" rtl="0" eaLnBrk="1" latinLnBrk="0" hangingPunct="1">
+      <a:lvl3pPr marL="722710" indent="-144542" algn="l" defTabSz="578169" rtl="0" eaLnBrk="1" latinLnBrk="0" hangingPunct="1">
         <a:spcBef>
           <a:spcPct val="20000"/>
         </a:spcBef>
         <a:buFont typeface="Arial" panose="020B0604020202020204" pitchFamily="34" charset="0"/>
         <a:buChar char="•"/>
-        <a:defRPr sz="1000" kern="1200">
+        <a:defRPr sz="1500" kern="1200">
           <a:solidFill>
             <a:schemeClr val="tx1"/>
           </a:solidFill>
@@ -2888,13 +2888,13 @@
           <a:cs typeface="+mn-cs"/>
         </a:defRPr>
       </a:lvl3pPr>
-      <a:lvl4pPr marL="683925" indent="-97704" algn="l" defTabSz="390815" rtl="0" eaLnBrk="1" latinLnBrk="0" hangingPunct="1">
+      <a:lvl4pPr marL="1011795" indent="-144542" algn="l" defTabSz="578169" rtl="0" eaLnBrk="1" latinLnBrk="0" hangingPunct="1">
         <a:spcBef>
           <a:spcPct val="20000"/>
         </a:spcBef>
         <a:buFont typeface="Arial" panose="020B0604020202020204" pitchFamily="34" charset="0"/>
         <a:buChar char="–"/>
-        <a:defRPr sz="900" kern="1200">
+        <a:defRPr sz="1300" kern="1200">
           <a:solidFill>
             <a:schemeClr val="tx1"/>
           </a:solidFill>
@@ -2903,13 +2903,13 @@
           <a:cs typeface="+mn-cs"/>
         </a:defRPr>
       </a:lvl4pPr>
-      <a:lvl5pPr marL="879333" indent="-97704" algn="l" defTabSz="390815" rtl="0" eaLnBrk="1" latinLnBrk="0" hangingPunct="1">
+      <a:lvl5pPr marL="1300878" indent="-144542" algn="l" defTabSz="578169" rtl="0" eaLnBrk="1" latinLnBrk="0" hangingPunct="1">
         <a:spcBef>
           <a:spcPct val="20000"/>
         </a:spcBef>
         <a:buFont typeface="Arial" panose="020B0604020202020204" pitchFamily="34" charset="0"/>
         <a:buChar char="»"/>
-        <a:defRPr sz="900" kern="1200">
+        <a:defRPr sz="1300" kern="1200">
           <a:solidFill>
             <a:schemeClr val="tx1"/>
           </a:solidFill>
@@ -2918,13 +2918,13 @@
           <a:cs typeface="+mn-cs"/>
         </a:defRPr>
       </a:lvl5pPr>
-      <a:lvl6pPr marL="1074740" indent="-97704" algn="l" defTabSz="390815" rtl="0" eaLnBrk="1" latinLnBrk="0" hangingPunct="1">
+      <a:lvl6pPr marL="1589963" indent="-144542" algn="l" defTabSz="578169" rtl="0" eaLnBrk="1" latinLnBrk="0" hangingPunct="1">
         <a:spcBef>
           <a:spcPct val="20000"/>
         </a:spcBef>
         <a:buFont typeface="Arial" panose="020B0604020202020204" pitchFamily="34" charset="0"/>
         <a:buChar char="•"/>
-        <a:defRPr sz="900" kern="1200">
+        <a:defRPr sz="1300" kern="1200">
           <a:solidFill>
             <a:schemeClr val="tx1"/>
           </a:solidFill>
@@ -2933,13 +2933,13 @@
           <a:cs typeface="+mn-cs"/>
         </a:defRPr>
       </a:lvl6pPr>
-      <a:lvl7pPr marL="1270147" indent="-97704" algn="l" defTabSz="390815" rtl="0" eaLnBrk="1" latinLnBrk="0" hangingPunct="1">
+      <a:lvl7pPr marL="1879047" indent="-144542" algn="l" defTabSz="578169" rtl="0" eaLnBrk="1" latinLnBrk="0" hangingPunct="1">
         <a:spcBef>
           <a:spcPct val="20000"/>
         </a:spcBef>
         <a:buFont typeface="Arial" panose="020B0604020202020204" pitchFamily="34" charset="0"/>
         <a:buChar char="•"/>
-        <a:defRPr sz="900" kern="1200">
+        <a:defRPr sz="1300" kern="1200">
           <a:solidFill>
             <a:schemeClr val="tx1"/>
           </a:solidFill>
@@ -2948,13 +2948,13 @@
           <a:cs typeface="+mn-cs"/>
         </a:defRPr>
       </a:lvl7pPr>
-      <a:lvl8pPr marL="1465555" indent="-97704" algn="l" defTabSz="390815" rtl="0" eaLnBrk="1" latinLnBrk="0" hangingPunct="1">
+      <a:lvl8pPr marL="2168132" indent="-144542" algn="l" defTabSz="578169" rtl="0" eaLnBrk="1" latinLnBrk="0" hangingPunct="1">
         <a:spcBef>
           <a:spcPct val="20000"/>
         </a:spcBef>
         <a:buFont typeface="Arial" panose="020B0604020202020204" pitchFamily="34" charset="0"/>
         <a:buChar char="•"/>
-        <a:defRPr sz="900" kern="1200">
+        <a:defRPr sz="1300" kern="1200">
           <a:solidFill>
             <a:schemeClr val="tx1"/>
           </a:solidFill>
@@ -2963,13 +2963,13 @@
           <a:cs typeface="+mn-cs"/>
         </a:defRPr>
       </a:lvl8pPr>
-      <a:lvl9pPr marL="1660962" indent="-97704" algn="l" defTabSz="390815" rtl="0" eaLnBrk="1" latinLnBrk="0" hangingPunct="1">
+      <a:lvl9pPr marL="2457216" indent="-144542" algn="l" defTabSz="578169" rtl="0" eaLnBrk="1" latinLnBrk="0" hangingPunct="1">
         <a:spcBef>
           <a:spcPct val="20000"/>
         </a:spcBef>
         <a:buFont typeface="Arial" panose="020B0604020202020204" pitchFamily="34" charset="0"/>
         <a:buChar char="•"/>
-        <a:defRPr sz="900" kern="1200">
+        <a:defRPr sz="1300" kern="1200">
           <a:solidFill>
             <a:schemeClr val="tx1"/>
           </a:solidFill>
@@ -2983,8 +2983,8 @@
       <a:defPPr>
         <a:defRPr lang="fr-FR"/>
       </a:defPPr>
-      <a:lvl1pPr marL="0" algn="l" defTabSz="390815" rtl="0" eaLnBrk="1" latinLnBrk="0" hangingPunct="1">
-        <a:defRPr sz="800" kern="1200">
+      <a:lvl1pPr marL="0" algn="l" defTabSz="578169" rtl="0" eaLnBrk="1" latinLnBrk="0" hangingPunct="1">
+        <a:defRPr sz="1100" kern="1200">
           <a:solidFill>
             <a:schemeClr val="tx1"/>
           </a:solidFill>
@@ -2993,8 +2993,8 @@
           <a:cs typeface="+mn-cs"/>
         </a:defRPr>
       </a:lvl1pPr>
-      <a:lvl2pPr marL="195407" algn="l" defTabSz="390815" rtl="0" eaLnBrk="1" latinLnBrk="0" hangingPunct="1">
-        <a:defRPr sz="800" kern="1200">
+      <a:lvl2pPr marL="289084" algn="l" defTabSz="578169" rtl="0" eaLnBrk="1" latinLnBrk="0" hangingPunct="1">
+        <a:defRPr sz="1100" kern="1200">
           <a:solidFill>
             <a:schemeClr val="tx1"/>
           </a:solidFill>
@@ -3003,8 +3003,8 @@
           <a:cs typeface="+mn-cs"/>
         </a:defRPr>
       </a:lvl2pPr>
-      <a:lvl3pPr marL="390815" algn="l" defTabSz="390815" rtl="0" eaLnBrk="1" latinLnBrk="0" hangingPunct="1">
-        <a:defRPr sz="800" kern="1200">
+      <a:lvl3pPr marL="578169" algn="l" defTabSz="578169" rtl="0" eaLnBrk="1" latinLnBrk="0" hangingPunct="1">
+        <a:defRPr sz="1100" kern="1200">
           <a:solidFill>
             <a:schemeClr val="tx1"/>
           </a:solidFill>
@@ -3013,8 +3013,8 @@
           <a:cs typeface="+mn-cs"/>
         </a:defRPr>
       </a:lvl3pPr>
-      <a:lvl4pPr marL="586222" algn="l" defTabSz="390815" rtl="0" eaLnBrk="1" latinLnBrk="0" hangingPunct="1">
-        <a:defRPr sz="800" kern="1200">
+      <a:lvl4pPr marL="867252" algn="l" defTabSz="578169" rtl="0" eaLnBrk="1" latinLnBrk="0" hangingPunct="1">
+        <a:defRPr sz="1100" kern="1200">
           <a:solidFill>
             <a:schemeClr val="tx1"/>
           </a:solidFill>
@@ -3023,8 +3023,8 @@
           <a:cs typeface="+mn-cs"/>
         </a:defRPr>
       </a:lvl4pPr>
-      <a:lvl5pPr marL="781629" algn="l" defTabSz="390815" rtl="0" eaLnBrk="1" latinLnBrk="0" hangingPunct="1">
-        <a:defRPr sz="800" kern="1200">
+      <a:lvl5pPr marL="1156337" algn="l" defTabSz="578169" rtl="0" eaLnBrk="1" latinLnBrk="0" hangingPunct="1">
+        <a:defRPr sz="1100" kern="1200">
           <a:solidFill>
             <a:schemeClr val="tx1"/>
           </a:solidFill>
@@ -3033,8 +3033,8 @@
           <a:cs typeface="+mn-cs"/>
         </a:defRPr>
       </a:lvl5pPr>
-      <a:lvl6pPr marL="977036" algn="l" defTabSz="390815" rtl="0" eaLnBrk="1" latinLnBrk="0" hangingPunct="1">
-        <a:defRPr sz="800" kern="1200">
+      <a:lvl6pPr marL="1445420" algn="l" defTabSz="578169" rtl="0" eaLnBrk="1" latinLnBrk="0" hangingPunct="1">
+        <a:defRPr sz="1100" kern="1200">
           <a:solidFill>
             <a:schemeClr val="tx1"/>
           </a:solidFill>
@@ -3043,8 +3043,8 @@
           <a:cs typeface="+mn-cs"/>
         </a:defRPr>
       </a:lvl6pPr>
-      <a:lvl7pPr marL="1172444" algn="l" defTabSz="390815" rtl="0" eaLnBrk="1" latinLnBrk="0" hangingPunct="1">
-        <a:defRPr sz="800" kern="1200">
+      <a:lvl7pPr marL="1734505" algn="l" defTabSz="578169" rtl="0" eaLnBrk="1" latinLnBrk="0" hangingPunct="1">
+        <a:defRPr sz="1100" kern="1200">
           <a:solidFill>
             <a:schemeClr val="tx1"/>
           </a:solidFill>
@@ -3053,8 +3053,8 @@
           <a:cs typeface="+mn-cs"/>
         </a:defRPr>
       </a:lvl7pPr>
-      <a:lvl8pPr marL="1367851" algn="l" defTabSz="390815" rtl="0" eaLnBrk="1" latinLnBrk="0" hangingPunct="1">
-        <a:defRPr sz="800" kern="1200">
+      <a:lvl8pPr marL="2023590" algn="l" defTabSz="578169" rtl="0" eaLnBrk="1" latinLnBrk="0" hangingPunct="1">
+        <a:defRPr sz="1100" kern="1200">
           <a:solidFill>
             <a:schemeClr val="tx1"/>
           </a:solidFill>
@@ -3063,8 +3063,8 @@
           <a:cs typeface="+mn-cs"/>
         </a:defRPr>
       </a:lvl8pPr>
-      <a:lvl9pPr marL="1563258" algn="l" defTabSz="390815" rtl="0" eaLnBrk="1" latinLnBrk="0" hangingPunct="1">
-        <a:defRPr sz="800" kern="1200">
+      <a:lvl9pPr marL="2312673" algn="l" defTabSz="578169" rtl="0" eaLnBrk="1" latinLnBrk="0" hangingPunct="1">
+        <a:defRPr sz="1100" kern="1200">
           <a:solidFill>
             <a:schemeClr val="tx1"/>
           </a:solidFill>
@@ -3097,27 +3097,29 @@
       </p:grpSpPr>
       <p:pic>
         <p:nvPicPr>
-          <p:cNvPr id="9" name="Picture 2"/>
+          <p:cNvPr id="63" name="Picture 2"/>
           <p:cNvPicPr>
             <a:picLocks noChangeAspect="1" noChangeArrowheads="1"/>
           </p:cNvPicPr>
           <p:nvPr/>
         </p:nvPicPr>
-        <p:blipFill rotWithShape="1">
-          <a:blip r:embed="rId2" cstate="print">
+        <p:blipFill>
+          <a:blip r:embed="rId2">
             <a:extLst>
               <a:ext uri="{28A0092B-C50C-407E-A947-70E740481C1C}">
                 <a14:useLocalDpi xmlns:a14="http://schemas.microsoft.com/office/drawing/2010/main" val="0"/>
               </a:ext>
             </a:extLst>
           </a:blip>
-          <a:srcRect l="6372"/>
-          <a:stretch/>
+          <a:srcRect/>
+          <a:stretch>
+            <a:fillRect/>
+          </a:stretch>
         </p:blipFill>
         <p:spPr bwMode="auto">
           <a:xfrm>
-            <a:off x="18593" y="-99392"/>
-            <a:ext cx="2897223" cy="4531015"/>
+            <a:off x="0" y="0"/>
+            <a:ext cx="4287838" cy="6278563"/>
           </a:xfrm>
           <a:prstGeom prst="rect">
             <a:avLst/>
@@ -3149,14 +3151,14 @@
       </p:pic>
       <p:sp>
         <p:nvSpPr>
-          <p:cNvPr id="10" name="ZoneTexte 9"/>
+          <p:cNvPr id="64" name="ZoneTexte 63"/>
           <p:cNvSpPr txBox="1"/>
           <p:nvPr/>
         </p:nvSpPr>
         <p:spPr>
           <a:xfrm>
-            <a:off x="831353" y="3104862"/>
-            <a:ext cx="393056" cy="307777"/>
+            <a:off x="1531651" y="4830125"/>
+            <a:ext cx="482824" cy="400110"/>
           </a:xfrm>
           <a:prstGeom prst="rect">
             <a:avLst/>
@@ -3170,13 +3172,13 @@
           <a:lstStyle/>
           <a:p>
             <a:r>
-              <a:rPr lang="fr-FR" sz="1400" dirty="0" smtClean="0">
+              <a:rPr lang="fr-FR" sz="2000" dirty="0" smtClean="0">
                 <a:latin typeface="Times New Roman" panose="02020603050405020304" pitchFamily="18" charset="0"/>
                 <a:cs typeface="Times New Roman" panose="02020603050405020304" pitchFamily="18" charset="0"/>
               </a:rPr>
               <a:t>(5)</a:t>
             </a:r>
-            <a:endParaRPr lang="en-US" sz="1400" dirty="0">
+            <a:endParaRPr lang="en-US" sz="2000" dirty="0">
               <a:latin typeface="Times New Roman" panose="02020603050405020304" pitchFamily="18" charset="0"/>
               <a:cs typeface="Times New Roman" panose="02020603050405020304" pitchFamily="18" charset="0"/>
             </a:endParaRPr>
@@ -3185,14 +3187,14 @@
       </p:sp>
       <p:sp>
         <p:nvSpPr>
-          <p:cNvPr id="11" name="ZoneTexte 10"/>
+          <p:cNvPr id="65" name="ZoneTexte 64"/>
           <p:cNvSpPr txBox="1"/>
           <p:nvPr/>
         </p:nvSpPr>
         <p:spPr>
           <a:xfrm rot="16200000">
-            <a:off x="100766" y="2448738"/>
-            <a:ext cx="529312" cy="261610"/>
+            <a:off x="471716" y="3452767"/>
+            <a:ext cx="686406" cy="338554"/>
           </a:xfrm>
           <a:prstGeom prst="rect">
             <a:avLst/>
@@ -3206,20 +3208,20 @@
           <a:lstStyle/>
           <a:p>
             <a:r>
-              <a:rPr lang="fr-FR" sz="1100" b="1" dirty="0" smtClean="0">
+              <a:rPr lang="fr-FR" b="1" dirty="0" smtClean="0">
                 <a:latin typeface="Times New Roman" panose="02020603050405020304" pitchFamily="18" charset="0"/>
                 <a:cs typeface="Times New Roman" panose="02020603050405020304" pitchFamily="18" charset="0"/>
               </a:rPr>
               <a:t>0,8 P</a:t>
             </a:r>
             <a:r>
-              <a:rPr lang="fr-FR" sz="1100" b="1" baseline="-25000" dirty="0" smtClean="0">
+              <a:rPr lang="fr-FR" b="1" baseline="-25000" dirty="0" smtClean="0">
                 <a:latin typeface="Times New Roman" panose="02020603050405020304" pitchFamily="18" charset="0"/>
                 <a:cs typeface="Times New Roman" panose="02020603050405020304" pitchFamily="18" charset="0"/>
               </a:rPr>
               <a:t>0</a:t>
             </a:r>
-            <a:endParaRPr lang="en-US" sz="1100" b="1" baseline="-25000" dirty="0">
+            <a:endParaRPr lang="en-US" b="1" baseline="-25000" dirty="0">
               <a:latin typeface="Times New Roman" panose="02020603050405020304" pitchFamily="18" charset="0"/>
               <a:cs typeface="Times New Roman" panose="02020603050405020304" pitchFamily="18" charset="0"/>
             </a:endParaRPr>
@@ -3228,14 +3230,14 @@
       </p:sp>
       <p:sp>
         <p:nvSpPr>
-          <p:cNvPr id="12" name="ZoneTexte 11"/>
+          <p:cNvPr id="66" name="ZoneTexte 65"/>
           <p:cNvSpPr txBox="1"/>
           <p:nvPr/>
         </p:nvSpPr>
         <p:spPr>
           <a:xfrm rot="16200000">
-            <a:off x="65500" y="3420107"/>
-            <a:ext cx="599844" cy="261610"/>
+            <a:off x="420419" y="4763455"/>
+            <a:ext cx="788999" cy="338554"/>
           </a:xfrm>
           <a:prstGeom prst="rect">
             <a:avLst/>
@@ -3249,20 +3251,20 @@
           <a:lstStyle/>
           <a:p>
             <a:r>
-              <a:rPr lang="fr-FR" sz="1100" b="1" dirty="0" smtClean="0">
+              <a:rPr lang="fr-FR" b="1" dirty="0" smtClean="0">
                 <a:latin typeface="Times New Roman" panose="02020603050405020304" pitchFamily="18" charset="0"/>
                 <a:cs typeface="Times New Roman" panose="02020603050405020304" pitchFamily="18" charset="0"/>
               </a:rPr>
               <a:t>0,01 P</a:t>
             </a:r>
             <a:r>
-              <a:rPr lang="fr-FR" sz="1100" b="1" baseline="-25000" dirty="0" smtClean="0">
+              <a:rPr lang="fr-FR" b="1" baseline="-25000" dirty="0" smtClean="0">
                 <a:latin typeface="Times New Roman" panose="02020603050405020304" pitchFamily="18" charset="0"/>
                 <a:cs typeface="Times New Roman" panose="02020603050405020304" pitchFamily="18" charset="0"/>
               </a:rPr>
               <a:t>0</a:t>
             </a:r>
-            <a:endParaRPr lang="en-US" sz="1100" b="1" baseline="-25000" dirty="0">
+            <a:endParaRPr lang="en-US" b="1" baseline="-25000" dirty="0">
               <a:latin typeface="Times New Roman" panose="02020603050405020304" pitchFamily="18" charset="0"/>
               <a:cs typeface="Times New Roman" panose="02020603050405020304" pitchFamily="18" charset="0"/>
             </a:endParaRPr>
@@ -3271,14 +3273,14 @@
       </p:sp>
       <p:sp>
         <p:nvSpPr>
-          <p:cNvPr id="13" name="ZoneTexte 12"/>
+          <p:cNvPr id="67" name="ZoneTexte 66"/>
           <p:cNvSpPr txBox="1"/>
           <p:nvPr/>
         </p:nvSpPr>
         <p:spPr>
           <a:xfrm rot="16200000">
-            <a:off x="20135" y="242745"/>
-            <a:ext cx="675185" cy="246221"/>
+            <a:off x="331454" y="540756"/>
+            <a:ext cx="966931" cy="338554"/>
           </a:xfrm>
           <a:prstGeom prst="rect">
             <a:avLst/>
@@ -3292,7 +3294,7 @@
           <a:lstStyle/>
           <a:p>
             <a:r>
-              <a:rPr lang="fr-FR" sz="1000" b="1" dirty="0" smtClean="0">
+              <a:rPr lang="fr-FR" b="1" dirty="0" smtClean="0">
                 <a:latin typeface="Times New Roman" panose="02020603050405020304" pitchFamily="18" charset="0"/>
                 <a:cs typeface="Times New Roman" panose="02020603050405020304" pitchFamily="18" charset="0"/>
               </a:rPr>
@@ -3303,14 +3305,14 @@
       </p:sp>
       <p:sp>
         <p:nvSpPr>
-          <p:cNvPr id="14" name="ZoneTexte 13"/>
+          <p:cNvPr id="68" name="ZoneTexte 67"/>
           <p:cNvSpPr txBox="1"/>
           <p:nvPr/>
         </p:nvSpPr>
         <p:spPr>
           <a:xfrm rot="16200000">
-            <a:off x="121125" y="917930"/>
-            <a:ext cx="473206" cy="246221"/>
+            <a:off x="492555" y="1488641"/>
+            <a:ext cx="644728" cy="338554"/>
           </a:xfrm>
           <a:prstGeom prst="rect">
             <a:avLst/>
@@ -3324,7 +3326,7 @@
           <a:lstStyle/>
           <a:p>
             <a:r>
-              <a:rPr lang="fr-FR" sz="1000" b="1" dirty="0" smtClean="0">
+              <a:rPr lang="fr-FR" b="1" dirty="0" smtClean="0">
                 <a:latin typeface="Times New Roman" panose="02020603050405020304" pitchFamily="18" charset="0"/>
                 <a:cs typeface="Times New Roman" panose="02020603050405020304" pitchFamily="18" charset="0"/>
               </a:rPr>
@@ -3335,14 +3337,14 @@
       </p:sp>
       <p:sp>
         <p:nvSpPr>
-          <p:cNvPr id="15" name="ZoneTexte 14"/>
+          <p:cNvPr id="69" name="ZoneTexte 68"/>
           <p:cNvSpPr txBox="1"/>
           <p:nvPr/>
         </p:nvSpPr>
         <p:spPr>
           <a:xfrm rot="16200000">
-            <a:off x="35364" y="1527004"/>
-            <a:ext cx="644728" cy="246221"/>
+            <a:off x="355498" y="2287688"/>
+            <a:ext cx="918841" cy="338554"/>
           </a:xfrm>
           <a:prstGeom prst="rect">
             <a:avLst/>
@@ -3356,14 +3358,14 @@
           <a:lstStyle/>
           <a:p>
             <a:r>
-              <a:rPr lang="fr-FR" sz="1000" b="1" dirty="0">
+              <a:rPr lang="fr-FR" b="1" dirty="0">
                 <a:latin typeface="Times New Roman" panose="02020603050405020304" pitchFamily="18" charset="0"/>
                 <a:cs typeface="Times New Roman" panose="02020603050405020304" pitchFamily="18" charset="0"/>
               </a:rPr>
               <a:t>-</a:t>
             </a:r>
             <a:r>
-              <a:rPr lang="fr-FR" sz="1000" b="1" dirty="0" smtClean="0">
+              <a:rPr lang="fr-FR" b="1" dirty="0" smtClean="0">
                 <a:latin typeface="Times New Roman" panose="02020603050405020304" pitchFamily="18" charset="0"/>
                 <a:cs typeface="Times New Roman" panose="02020603050405020304" pitchFamily="18" charset="0"/>
               </a:rPr>
@@ -3374,14 +3376,14 @@
       </p:sp>
       <p:sp>
         <p:nvSpPr>
-          <p:cNvPr id="16" name="ZoneTexte 15"/>
+          <p:cNvPr id="70" name="ZoneTexte 69"/>
           <p:cNvSpPr txBox="1"/>
           <p:nvPr/>
         </p:nvSpPr>
         <p:spPr>
           <a:xfrm>
-            <a:off x="-71735" y="-91406"/>
-            <a:ext cx="383438" cy="307777"/>
+            <a:off x="1205" y="-35942"/>
+            <a:ext cx="526106" cy="461665"/>
           </a:xfrm>
           <a:prstGeom prst="rect">
             <a:avLst/>
@@ -3395,13 +3397,13 @@
           <a:lstStyle/>
           <a:p>
             <a:r>
-              <a:rPr lang="fr-FR" sz="1400" dirty="0" smtClean="0">
+              <a:rPr lang="fr-FR" sz="2400" dirty="0" smtClean="0">
                 <a:latin typeface="Times New Roman" panose="02020603050405020304" pitchFamily="18" charset="0"/>
                 <a:cs typeface="Times New Roman" panose="02020603050405020304" pitchFamily="18" charset="0"/>
               </a:rPr>
               <a:t>(a)</a:t>
             </a:r>
-            <a:endParaRPr lang="en-US" sz="1400" dirty="0">
+            <a:endParaRPr lang="en-US" sz="2400" dirty="0">
               <a:latin typeface="Times New Roman" panose="02020603050405020304" pitchFamily="18" charset="0"/>
               <a:cs typeface="Times New Roman" panose="02020603050405020304" pitchFamily="18" charset="0"/>
             </a:endParaRPr>
@@ -3410,14 +3412,14 @@
       </p:sp>
       <p:sp>
         <p:nvSpPr>
-          <p:cNvPr id="17" name="ZoneTexte 16"/>
+          <p:cNvPr id="71" name="ZoneTexte 70"/>
           <p:cNvSpPr txBox="1"/>
           <p:nvPr/>
         </p:nvSpPr>
         <p:spPr>
           <a:xfrm>
-            <a:off x="-71735" y="1924818"/>
-            <a:ext cx="393056" cy="307777"/>
+            <a:off x="-7611" y="2730091"/>
+            <a:ext cx="543739" cy="461665"/>
           </a:xfrm>
           <a:prstGeom prst="rect">
             <a:avLst/>
@@ -3431,13 +3433,13 @@
           <a:lstStyle/>
           <a:p>
             <a:r>
-              <a:rPr lang="fr-FR" sz="1400" dirty="0" smtClean="0">
+              <a:rPr lang="fr-FR" sz="2400" dirty="0" smtClean="0">
                 <a:latin typeface="Times New Roman" panose="02020603050405020304" pitchFamily="18" charset="0"/>
                 <a:cs typeface="Times New Roman" panose="02020603050405020304" pitchFamily="18" charset="0"/>
               </a:rPr>
               <a:t>(b)</a:t>
             </a:r>
-            <a:endParaRPr lang="en-US" sz="1400" dirty="0">
+            <a:endParaRPr lang="en-US" sz="2400" dirty="0">
               <a:latin typeface="Times New Roman" panose="02020603050405020304" pitchFamily="18" charset="0"/>
               <a:cs typeface="Times New Roman" panose="02020603050405020304" pitchFamily="18" charset="0"/>
             </a:endParaRPr>
